--- a/teaching/17s-cis600/Class-00.pptx
+++ b/teaching/17s-cis600/Class-00.pptx
@@ -201,7 +201,7 @@
           <a:p>
             <a:fld id="{24EF0FC3-3292-EF48-8F99-2204AA13DA94}" type="datetimeFigureOut">
               <a:rPr lang="en-US" smtClean="0"/>
-              <a:t>1/23/17</a:t>
+              <a:t>4/18/17</a:t>
             </a:fld>
             <a:endParaRPr lang="en-US"/>
           </a:p>
@@ -832,7 +832,7 @@
           <a:p>
             <a:fld id="{DBD910C3-9920-9248-B559-EA127E9C317E}" type="datetimeFigureOut">
               <a:rPr lang="en-US" smtClean="0"/>
-              <a:t>1/23/17</a:t>
+              <a:t>4/18/17</a:t>
             </a:fld>
             <a:endParaRPr lang="en-US"/>
           </a:p>
@@ -1002,7 +1002,7 @@
           <a:p>
             <a:fld id="{DBD910C3-9920-9248-B559-EA127E9C317E}" type="datetimeFigureOut">
               <a:rPr lang="en-US" smtClean="0"/>
-              <a:t>1/23/17</a:t>
+              <a:t>4/18/17</a:t>
             </a:fld>
             <a:endParaRPr lang="en-US"/>
           </a:p>
@@ -1182,7 +1182,7 @@
           <a:p>
             <a:fld id="{DBD910C3-9920-9248-B559-EA127E9C317E}" type="datetimeFigureOut">
               <a:rPr lang="en-US" smtClean="0"/>
-              <a:t>1/23/17</a:t>
+              <a:t>4/18/17</a:t>
             </a:fld>
             <a:endParaRPr lang="en-US"/>
           </a:p>
@@ -1352,7 +1352,7 @@
           <a:p>
             <a:fld id="{DBD910C3-9920-9248-B559-EA127E9C317E}" type="datetimeFigureOut">
               <a:rPr lang="en-US" smtClean="0"/>
-              <a:t>1/23/17</a:t>
+              <a:t>4/18/17</a:t>
             </a:fld>
             <a:endParaRPr lang="en-US"/>
           </a:p>
@@ -1598,7 +1598,7 @@
           <a:p>
             <a:fld id="{DBD910C3-9920-9248-B559-EA127E9C317E}" type="datetimeFigureOut">
               <a:rPr lang="en-US" smtClean="0"/>
-              <a:t>1/23/17</a:t>
+              <a:t>4/18/17</a:t>
             </a:fld>
             <a:endParaRPr lang="en-US"/>
           </a:p>
@@ -1886,7 +1886,7 @@
           <a:p>
             <a:fld id="{DBD910C3-9920-9248-B559-EA127E9C317E}" type="datetimeFigureOut">
               <a:rPr lang="en-US" smtClean="0"/>
-              <a:t>1/23/17</a:t>
+              <a:t>4/18/17</a:t>
             </a:fld>
             <a:endParaRPr lang="en-US"/>
           </a:p>
@@ -2308,7 +2308,7 @@
           <a:p>
             <a:fld id="{DBD910C3-9920-9248-B559-EA127E9C317E}" type="datetimeFigureOut">
               <a:rPr lang="en-US" smtClean="0"/>
-              <a:t>1/23/17</a:t>
+              <a:t>4/18/17</a:t>
             </a:fld>
             <a:endParaRPr lang="en-US"/>
           </a:p>
@@ -2426,7 +2426,7 @@
           <a:p>
             <a:fld id="{DBD910C3-9920-9248-B559-EA127E9C317E}" type="datetimeFigureOut">
               <a:rPr lang="en-US" smtClean="0"/>
-              <a:t>1/23/17</a:t>
+              <a:t>4/18/17</a:t>
             </a:fld>
             <a:endParaRPr lang="en-US"/>
           </a:p>
@@ -2521,7 +2521,7 @@
           <a:p>
             <a:fld id="{DBD910C3-9920-9248-B559-EA127E9C317E}" type="datetimeFigureOut">
               <a:rPr lang="en-US" smtClean="0"/>
-              <a:t>1/23/17</a:t>
+              <a:t>4/18/17</a:t>
             </a:fld>
             <a:endParaRPr lang="en-US"/>
           </a:p>
@@ -2798,7 +2798,7 @@
           <a:p>
             <a:fld id="{DBD910C3-9920-9248-B559-EA127E9C317E}" type="datetimeFigureOut">
               <a:rPr lang="en-US" smtClean="0"/>
-              <a:t>1/23/17</a:t>
+              <a:t>4/18/17</a:t>
             </a:fld>
             <a:endParaRPr lang="en-US"/>
           </a:p>
@@ -3051,7 +3051,7 @@
           <a:p>
             <a:fld id="{DBD910C3-9920-9248-B559-EA127E9C317E}" type="datetimeFigureOut">
               <a:rPr lang="en-US" smtClean="0"/>
-              <a:t>1/23/17</a:t>
+              <a:t>4/18/17</a:t>
             </a:fld>
             <a:endParaRPr lang="en-US"/>
           </a:p>
@@ -3264,7 +3264,7 @@
           <a:p>
             <a:fld id="{DBD910C3-9920-9248-B559-EA127E9C317E}" type="datetimeFigureOut">
               <a:rPr lang="en-US" smtClean="0"/>
-              <a:t>1/23/17</a:t>
+              <a:t>4/18/17</a:t>
             </a:fld>
             <a:endParaRPr lang="en-US"/>
           </a:p>
@@ -4135,36 +4135,6 @@
           </a:p>
         </p:txBody>
       </p:sp>
-      <p:pic>
-        <p:nvPicPr>
-          <p:cNvPr id="4" name="Picture 3" descr="Screen Shot 2017-01-23 at 4.44.15 AM.png"/>
-          <p:cNvPicPr>
-            <a:picLocks noChangeAspect="1"/>
-          </p:cNvPicPr>
-          <p:nvPr/>
-        </p:nvPicPr>
-        <p:blipFill>
-          <a:blip r:embed="rId4">
-            <a:extLst>
-              <a:ext uri="{28A0092B-C50C-407E-A947-70E740481C1C}">
-                <a14:useLocalDpi xmlns:a14="http://schemas.microsoft.com/office/drawing/2010/main" val="0"/>
-              </a:ext>
-            </a:extLst>
-          </a:blip>
-          <a:stretch>
-            <a:fillRect/>
-          </a:stretch>
-        </p:blipFill>
-        <p:spPr>
-          <a:xfrm>
-            <a:off x="0" y="3626345"/>
-            <a:ext cx="9144000" cy="2833352"/>
-          </a:xfrm>
-          <a:prstGeom prst="rect">
-            <a:avLst/>
-          </a:prstGeom>
-        </p:spPr>
-      </p:pic>
     </p:spTree>
     <p:extLst>
       <p:ext uri="{BB962C8B-B14F-4D97-AF65-F5344CB8AC3E}">
@@ -4443,15 +4413,7 @@
           <a:p>
             <a:r>
               <a:rPr lang="en-US" dirty="0" smtClean="0"/>
-              <a:t>Topics </a:t>
-            </a:r>
-            <a:r>
-              <a:rPr lang="en-US" dirty="0" smtClean="0"/>
-              <a:t>(from syllabus)</a:t>
-            </a:r>
-            <a:r>
-              <a:rPr lang="en-US" dirty="0" smtClean="0"/>
-              <a:t>:</a:t>
+              <a:t>Topics (from syllabus):</a:t>
             </a:r>
           </a:p>
           <a:p>
@@ -4563,20 +4525,18 @@
           </a:xfrm>
         </p:spPr>
         <p:txBody>
-          <a:bodyPr/>
-          <a:lstStyle/>
-          <a:p>
-            <a:r>
-              <a:rPr lang="en-US" dirty="0" smtClean="0"/>
-              <a:t>Class participation &amp; exercises (</a:t>
-            </a:r>
+          <a:bodyPr>
+            <a:normAutofit/>
+          </a:bodyPr>
+          <a:lstStyle/>
+          <a:p>
             <a:r>
               <a:rPr lang="en-US" dirty="0"/>
-              <a:t>3</a:t>
-            </a:r>
-            <a:r>
-              <a:rPr lang="en-US" dirty="0" smtClean="0"/>
-              <a:t>0%):</a:t>
+              <a:t>Class participation (10%</a:t>
+            </a:r>
+            <a:r>
+              <a:rPr lang="en-US" dirty="0" smtClean="0"/>
+              <a:t>)</a:t>
             </a:r>
           </a:p>
           <a:p>
@@ -4585,7 +4545,35 @@
           <a:p>
             <a:r>
               <a:rPr lang="en-US" dirty="0" smtClean="0"/>
-              <a:t>Presentation (20%)</a:t>
+              <a:t>Exercises</a:t>
+            </a:r>
+            <a:r>
+              <a:rPr lang="en-US" dirty="0"/>
+              <a:t>/Programming </a:t>
+            </a:r>
+            <a:r>
+              <a:rPr lang="en-US" dirty="0" smtClean="0"/>
+              <a:t>projects/Presentations </a:t>
+            </a:r>
+            <a:r>
+              <a:rPr lang="en-US" dirty="0" smtClean="0"/>
+              <a:t>(</a:t>
+            </a:r>
+            <a:r>
+              <a:rPr lang="en-US" dirty="0" smtClean="0"/>
+              <a:t>5</a:t>
+            </a:r>
+            <a:r>
+              <a:rPr lang="en-US" dirty="0" smtClean="0"/>
+              <a:t>0</a:t>
+            </a:r>
+            <a:r>
+              <a:rPr lang="en-US" dirty="0" smtClean="0"/>
+              <a:t>%</a:t>
+            </a:r>
+            <a:r>
+              <a:rPr lang="en-US" dirty="0" smtClean="0"/>
+              <a:t>) </a:t>
             </a:r>
           </a:p>
           <a:p>
@@ -4594,18 +4582,16 @@
           <a:p>
             <a:r>
               <a:rPr lang="en-US" dirty="0" smtClean="0"/>
-              <a:t>Programming tasks/projects (30%)</a:t>
-            </a:r>
-          </a:p>
-          <a:p>
-            <a:endParaRPr lang="en-US" dirty="0" smtClean="0"/>
-          </a:p>
-          <a:p>
-            <a:r>
-              <a:rPr lang="en-US" dirty="0" smtClean="0"/>
-              <a:t>Exams (20%)</a:t>
-            </a:r>
-            <a:endParaRPr lang="en-US" dirty="0"/>
+              <a:t>Exams (40</a:t>
+            </a:r>
+            <a:r>
+              <a:rPr lang="en-US" dirty="0" smtClean="0"/>
+              <a:t>%</a:t>
+            </a:r>
+            <a:r>
+              <a:rPr lang="en-US" dirty="0" smtClean="0"/>
+              <a:t>)</a:t>
+            </a:r>
           </a:p>
         </p:txBody>
       </p:sp>
